--- a/PaperPresentation/Paper_Robin_v2.pptx
+++ b/PaperPresentation/Paper_Robin_v2.pptx
@@ -31113,8 +31113,13 @@
             </a:r>
             <a:r>
               <a:rPr lang="en-GB" dirty="0"/>
-              <a:t> | Step 1</a:t>
-            </a:r>
+              <a:t> </a:t>
+            </a:r>
+            <a:r>
+              <a:rPr lang="en-GB"/>
+              <a:t>| Image</a:t>
+            </a:r>
+            <a:endParaRPr lang="en-GB" dirty="0"/>
           </a:p>
         </p:txBody>
       </p:sp>
@@ -33639,6 +33644,677 @@
   <p:transition>
     <p:fade/>
   </p:transition>
+  <p:timing>
+    <p:tnLst>
+      <p:par>
+        <p:cTn id="1" dur="indefinite" restart="never" nodeType="tmRoot">
+          <p:childTnLst>
+            <p:seq concurrent="1" nextAc="seek">
+              <p:cTn id="2" dur="indefinite" nodeType="mainSeq">
+                <p:childTnLst>
+                  <p:par>
+                    <p:cTn id="3" fill="hold">
+                      <p:stCondLst>
+                        <p:cond delay="indefinite"/>
+                      </p:stCondLst>
+                      <p:childTnLst>
+                        <p:par>
+                          <p:cTn id="4" fill="hold">
+                            <p:stCondLst>
+                              <p:cond delay="0"/>
+                            </p:stCondLst>
+                            <p:childTnLst>
+                              <p:par>
+                                <p:cTn id="5" presetID="1" presetClass="entr" presetSubtype="0" fill="hold" nodeType="clickEffect">
+                                  <p:stCondLst>
+                                    <p:cond delay="0"/>
+                                  </p:stCondLst>
+                                  <p:childTnLst>
+                                    <p:set>
+                                      <p:cBhvr>
+                                        <p:cTn id="6" dur="1" fill="hold">
+                                          <p:stCondLst>
+                                            <p:cond delay="0"/>
+                                          </p:stCondLst>
+                                        </p:cTn>
+                                        <p:tgtEl>
+                                          <p:spTgt spid="54"/>
+                                        </p:tgtEl>
+                                        <p:attrNameLst>
+                                          <p:attrName>style.visibility</p:attrName>
+                                        </p:attrNameLst>
+                                      </p:cBhvr>
+                                      <p:to>
+                                        <p:strVal val="visible"/>
+                                      </p:to>
+                                    </p:set>
+                                  </p:childTnLst>
+                                </p:cTn>
+                              </p:par>
+                              <p:par>
+                                <p:cTn id="7" presetID="1" presetClass="entr" presetSubtype="0" fill="hold" grpId="0" nodeType="withEffect">
+                                  <p:stCondLst>
+                                    <p:cond delay="0"/>
+                                  </p:stCondLst>
+                                  <p:childTnLst>
+                                    <p:set>
+                                      <p:cBhvr>
+                                        <p:cTn id="8" dur="1" fill="hold">
+                                          <p:stCondLst>
+                                            <p:cond delay="0"/>
+                                          </p:stCondLst>
+                                        </p:cTn>
+                                        <p:tgtEl>
+                                          <p:spTgt spid="49"/>
+                                        </p:tgtEl>
+                                        <p:attrNameLst>
+                                          <p:attrName>style.visibility</p:attrName>
+                                        </p:attrNameLst>
+                                      </p:cBhvr>
+                                      <p:to>
+                                        <p:strVal val="visible"/>
+                                      </p:to>
+                                    </p:set>
+                                  </p:childTnLst>
+                                </p:cTn>
+                              </p:par>
+                              <p:par>
+                                <p:cTn id="9" presetID="1" presetClass="entr" presetSubtype="0" fill="hold" grpId="0" nodeType="withEffect">
+                                  <p:stCondLst>
+                                    <p:cond delay="0"/>
+                                  </p:stCondLst>
+                                  <p:childTnLst>
+                                    <p:set>
+                                      <p:cBhvr>
+                                        <p:cTn id="10" dur="1" fill="hold">
+                                          <p:stCondLst>
+                                            <p:cond delay="0"/>
+                                          </p:stCondLst>
+                                        </p:cTn>
+                                        <p:tgtEl>
+                                          <p:spTgt spid="50"/>
+                                        </p:tgtEl>
+                                        <p:attrNameLst>
+                                          <p:attrName>style.visibility</p:attrName>
+                                        </p:attrNameLst>
+                                      </p:cBhvr>
+                                      <p:to>
+                                        <p:strVal val="visible"/>
+                                      </p:to>
+                                    </p:set>
+                                  </p:childTnLst>
+                                </p:cTn>
+                              </p:par>
+                              <p:par>
+                                <p:cTn id="11" presetID="1" presetClass="entr" presetSubtype="0" fill="hold" grpId="0" nodeType="withEffect">
+                                  <p:stCondLst>
+                                    <p:cond delay="0"/>
+                                  </p:stCondLst>
+                                  <p:childTnLst>
+                                    <p:set>
+                                      <p:cBhvr>
+                                        <p:cTn id="12" dur="1" fill="hold">
+                                          <p:stCondLst>
+                                            <p:cond delay="0"/>
+                                          </p:stCondLst>
+                                        </p:cTn>
+                                        <p:tgtEl>
+                                          <p:spTgt spid="51"/>
+                                        </p:tgtEl>
+                                        <p:attrNameLst>
+                                          <p:attrName>style.visibility</p:attrName>
+                                        </p:attrNameLst>
+                                      </p:cBhvr>
+                                      <p:to>
+                                        <p:strVal val="visible"/>
+                                      </p:to>
+                                    </p:set>
+                                  </p:childTnLst>
+                                </p:cTn>
+                              </p:par>
+                              <p:par>
+                                <p:cTn id="13" presetID="1" presetClass="entr" presetSubtype="0" fill="hold" grpId="0" nodeType="withEffect">
+                                  <p:stCondLst>
+                                    <p:cond delay="0"/>
+                                  </p:stCondLst>
+                                  <p:childTnLst>
+                                    <p:set>
+                                      <p:cBhvr>
+                                        <p:cTn id="14" dur="1" fill="hold">
+                                          <p:stCondLst>
+                                            <p:cond delay="0"/>
+                                          </p:stCondLst>
+                                        </p:cTn>
+                                        <p:tgtEl>
+                                          <p:spTgt spid="55"/>
+                                        </p:tgtEl>
+                                        <p:attrNameLst>
+                                          <p:attrName>style.visibility</p:attrName>
+                                        </p:attrNameLst>
+                                      </p:cBhvr>
+                                      <p:to>
+                                        <p:strVal val="visible"/>
+                                      </p:to>
+                                    </p:set>
+                                  </p:childTnLst>
+                                </p:cTn>
+                              </p:par>
+                            </p:childTnLst>
+                          </p:cTn>
+                        </p:par>
+                      </p:childTnLst>
+                    </p:cTn>
+                  </p:par>
+                  <p:par>
+                    <p:cTn id="15" fill="hold">
+                      <p:stCondLst>
+                        <p:cond delay="indefinite"/>
+                      </p:stCondLst>
+                      <p:childTnLst>
+                        <p:par>
+                          <p:cTn id="16" fill="hold">
+                            <p:stCondLst>
+                              <p:cond delay="0"/>
+                            </p:stCondLst>
+                            <p:childTnLst>
+                              <p:par>
+                                <p:cTn id="17" presetID="1" presetClass="entr" presetSubtype="0" fill="hold" nodeType="clickEffect">
+                                  <p:stCondLst>
+                                    <p:cond delay="0"/>
+                                  </p:stCondLst>
+                                  <p:childTnLst>
+                                    <p:set>
+                                      <p:cBhvr>
+                                        <p:cTn id="18" dur="1" fill="hold">
+                                          <p:stCondLst>
+                                            <p:cond delay="0"/>
+                                          </p:stCondLst>
+                                        </p:cTn>
+                                        <p:tgtEl>
+                                          <p:spTgt spid="56"/>
+                                        </p:tgtEl>
+                                        <p:attrNameLst>
+                                          <p:attrName>style.visibility</p:attrName>
+                                        </p:attrNameLst>
+                                      </p:cBhvr>
+                                      <p:to>
+                                        <p:strVal val="visible"/>
+                                      </p:to>
+                                    </p:set>
+                                  </p:childTnLst>
+                                </p:cTn>
+                              </p:par>
+                              <p:par>
+                                <p:cTn id="19" presetID="1" presetClass="entr" presetSubtype="0" fill="hold" grpId="0" nodeType="withEffect">
+                                  <p:stCondLst>
+                                    <p:cond delay="0"/>
+                                  </p:stCondLst>
+                                  <p:childTnLst>
+                                    <p:set>
+                                      <p:cBhvr>
+                                        <p:cTn id="20" dur="1" fill="hold">
+                                          <p:stCondLst>
+                                            <p:cond delay="0"/>
+                                          </p:stCondLst>
+                                        </p:cTn>
+                                        <p:tgtEl>
+                                          <p:spTgt spid="60"/>
+                                        </p:tgtEl>
+                                        <p:attrNameLst>
+                                          <p:attrName>style.visibility</p:attrName>
+                                        </p:attrNameLst>
+                                      </p:cBhvr>
+                                      <p:to>
+                                        <p:strVal val="visible"/>
+                                      </p:to>
+                                    </p:set>
+                                  </p:childTnLst>
+                                </p:cTn>
+                              </p:par>
+                              <p:par>
+                                <p:cTn id="21" presetID="1" presetClass="entr" presetSubtype="0" fill="hold" grpId="0" nodeType="withEffect">
+                                  <p:stCondLst>
+                                    <p:cond delay="0"/>
+                                  </p:stCondLst>
+                                  <p:childTnLst>
+                                    <p:set>
+                                      <p:cBhvr>
+                                        <p:cTn id="22" dur="1" fill="hold">
+                                          <p:stCondLst>
+                                            <p:cond delay="0"/>
+                                          </p:stCondLst>
+                                        </p:cTn>
+                                        <p:tgtEl>
+                                          <p:spTgt spid="61"/>
+                                        </p:tgtEl>
+                                        <p:attrNameLst>
+                                          <p:attrName>style.visibility</p:attrName>
+                                        </p:attrNameLst>
+                                      </p:cBhvr>
+                                      <p:to>
+                                        <p:strVal val="visible"/>
+                                      </p:to>
+                                    </p:set>
+                                  </p:childTnLst>
+                                </p:cTn>
+                              </p:par>
+                              <p:par>
+                                <p:cTn id="23" presetID="1" presetClass="entr" presetSubtype="0" fill="hold" grpId="0" nodeType="withEffect">
+                                  <p:stCondLst>
+                                    <p:cond delay="0"/>
+                                  </p:stCondLst>
+                                  <p:childTnLst>
+                                    <p:set>
+                                      <p:cBhvr>
+                                        <p:cTn id="24" dur="1" fill="hold">
+                                          <p:stCondLst>
+                                            <p:cond delay="0"/>
+                                          </p:stCondLst>
+                                        </p:cTn>
+                                        <p:tgtEl>
+                                          <p:spTgt spid="62"/>
+                                        </p:tgtEl>
+                                        <p:attrNameLst>
+                                          <p:attrName>style.visibility</p:attrName>
+                                        </p:attrNameLst>
+                                      </p:cBhvr>
+                                      <p:to>
+                                        <p:strVal val="visible"/>
+                                      </p:to>
+                                    </p:set>
+                                  </p:childTnLst>
+                                </p:cTn>
+                              </p:par>
+                              <p:par>
+                                <p:cTn id="25" presetID="1" presetClass="entr" presetSubtype="0" fill="hold" grpId="0" nodeType="withEffect">
+                                  <p:stCondLst>
+                                    <p:cond delay="0"/>
+                                  </p:stCondLst>
+                                  <p:childTnLst>
+                                    <p:set>
+                                      <p:cBhvr>
+                                        <p:cTn id="26" dur="1" fill="hold">
+                                          <p:stCondLst>
+                                            <p:cond delay="0"/>
+                                          </p:stCondLst>
+                                        </p:cTn>
+                                        <p:tgtEl>
+                                          <p:spTgt spid="64"/>
+                                        </p:tgtEl>
+                                        <p:attrNameLst>
+                                          <p:attrName>style.visibility</p:attrName>
+                                        </p:attrNameLst>
+                                      </p:cBhvr>
+                                      <p:to>
+                                        <p:strVal val="visible"/>
+                                      </p:to>
+                                    </p:set>
+                                  </p:childTnLst>
+                                </p:cTn>
+                              </p:par>
+                              <p:par>
+                                <p:cTn id="27" presetID="1" presetClass="entr" presetSubtype="0" fill="hold" grpId="0" nodeType="withEffect">
+                                  <p:stCondLst>
+                                    <p:cond delay="0"/>
+                                  </p:stCondLst>
+                                  <p:childTnLst>
+                                    <p:set>
+                                      <p:cBhvr>
+                                        <p:cTn id="28" dur="1" fill="hold">
+                                          <p:stCondLst>
+                                            <p:cond delay="0"/>
+                                          </p:stCondLst>
+                                        </p:cTn>
+                                        <p:tgtEl>
+                                          <p:spTgt spid="65"/>
+                                        </p:tgtEl>
+                                        <p:attrNameLst>
+                                          <p:attrName>style.visibility</p:attrName>
+                                        </p:attrNameLst>
+                                      </p:cBhvr>
+                                      <p:to>
+                                        <p:strVal val="visible"/>
+                                      </p:to>
+                                    </p:set>
+                                  </p:childTnLst>
+                                </p:cTn>
+                              </p:par>
+                              <p:par>
+                                <p:cTn id="29" presetID="1" presetClass="entr" presetSubtype="0" fill="hold" grpId="0" nodeType="withEffect">
+                                  <p:stCondLst>
+                                    <p:cond delay="0"/>
+                                  </p:stCondLst>
+                                  <p:childTnLst>
+                                    <p:set>
+                                      <p:cBhvr>
+                                        <p:cTn id="30" dur="1" fill="hold">
+                                          <p:stCondLst>
+                                            <p:cond delay="0"/>
+                                          </p:stCondLst>
+                                        </p:cTn>
+                                        <p:tgtEl>
+                                          <p:spTgt spid="66"/>
+                                        </p:tgtEl>
+                                        <p:attrNameLst>
+                                          <p:attrName>style.visibility</p:attrName>
+                                        </p:attrNameLst>
+                                      </p:cBhvr>
+                                      <p:to>
+                                        <p:strVal val="visible"/>
+                                      </p:to>
+                                    </p:set>
+                                  </p:childTnLst>
+                                </p:cTn>
+                              </p:par>
+                              <p:par>
+                                <p:cTn id="31" presetID="1" presetClass="entr" presetSubtype="0" fill="hold" grpId="0" nodeType="withEffect">
+                                  <p:stCondLst>
+                                    <p:cond delay="0"/>
+                                  </p:stCondLst>
+                                  <p:childTnLst>
+                                    <p:set>
+                                      <p:cBhvr>
+                                        <p:cTn id="32" dur="1" fill="hold">
+                                          <p:stCondLst>
+                                            <p:cond delay="0"/>
+                                          </p:stCondLst>
+                                        </p:cTn>
+                                        <p:tgtEl>
+                                          <p:spTgt spid="67"/>
+                                        </p:tgtEl>
+                                        <p:attrNameLst>
+                                          <p:attrName>style.visibility</p:attrName>
+                                        </p:attrNameLst>
+                                      </p:cBhvr>
+                                      <p:to>
+                                        <p:strVal val="visible"/>
+                                      </p:to>
+                                    </p:set>
+                                  </p:childTnLst>
+                                </p:cTn>
+                              </p:par>
+                              <p:par>
+                                <p:cTn id="33" presetID="1" presetClass="entr" presetSubtype="0" fill="hold" grpId="0" nodeType="withEffect">
+                                  <p:stCondLst>
+                                    <p:cond delay="0"/>
+                                  </p:stCondLst>
+                                  <p:childTnLst>
+                                    <p:set>
+                                      <p:cBhvr>
+                                        <p:cTn id="34" dur="1" fill="hold">
+                                          <p:stCondLst>
+                                            <p:cond delay="0"/>
+                                          </p:stCondLst>
+                                        </p:cTn>
+                                        <p:tgtEl>
+                                          <p:spTgt spid="68"/>
+                                        </p:tgtEl>
+                                        <p:attrNameLst>
+                                          <p:attrName>style.visibility</p:attrName>
+                                        </p:attrNameLst>
+                                      </p:cBhvr>
+                                      <p:to>
+                                        <p:strVal val="visible"/>
+                                      </p:to>
+                                    </p:set>
+                                  </p:childTnLst>
+                                </p:cTn>
+                              </p:par>
+                              <p:par>
+                                <p:cTn id="35" presetID="1" presetClass="entr" presetSubtype="0" fill="hold" grpId="0" nodeType="withEffect">
+                                  <p:stCondLst>
+                                    <p:cond delay="0"/>
+                                  </p:stCondLst>
+                                  <p:childTnLst>
+                                    <p:set>
+                                      <p:cBhvr>
+                                        <p:cTn id="36" dur="1" fill="hold">
+                                          <p:stCondLst>
+                                            <p:cond delay="0"/>
+                                          </p:stCondLst>
+                                        </p:cTn>
+                                        <p:tgtEl>
+                                          <p:spTgt spid="69"/>
+                                        </p:tgtEl>
+                                        <p:attrNameLst>
+                                          <p:attrName>style.visibility</p:attrName>
+                                        </p:attrNameLst>
+                                      </p:cBhvr>
+                                      <p:to>
+                                        <p:strVal val="visible"/>
+                                      </p:to>
+                                    </p:set>
+                                  </p:childTnLst>
+                                </p:cTn>
+                              </p:par>
+                              <p:par>
+                                <p:cTn id="37" presetID="1" presetClass="entr" presetSubtype="0" fill="hold" grpId="0" nodeType="withEffect">
+                                  <p:stCondLst>
+                                    <p:cond delay="0"/>
+                                  </p:stCondLst>
+                                  <p:childTnLst>
+                                    <p:set>
+                                      <p:cBhvr>
+                                        <p:cTn id="38" dur="1" fill="hold">
+                                          <p:stCondLst>
+                                            <p:cond delay="0"/>
+                                          </p:stCondLst>
+                                        </p:cTn>
+                                        <p:tgtEl>
+                                          <p:spTgt spid="75"/>
+                                        </p:tgtEl>
+                                        <p:attrNameLst>
+                                          <p:attrName>style.visibility</p:attrName>
+                                        </p:attrNameLst>
+                                      </p:cBhvr>
+                                      <p:to>
+                                        <p:strVal val="visible"/>
+                                      </p:to>
+                                    </p:set>
+                                  </p:childTnLst>
+                                </p:cTn>
+                              </p:par>
+                            </p:childTnLst>
+                          </p:cTn>
+                        </p:par>
+                      </p:childTnLst>
+                    </p:cTn>
+                  </p:par>
+                  <p:par>
+                    <p:cTn id="39" fill="hold">
+                      <p:stCondLst>
+                        <p:cond delay="indefinite"/>
+                      </p:stCondLst>
+                      <p:childTnLst>
+                        <p:par>
+                          <p:cTn id="40" fill="hold">
+                            <p:stCondLst>
+                              <p:cond delay="0"/>
+                            </p:stCondLst>
+                            <p:childTnLst>
+                              <p:par>
+                                <p:cTn id="41" presetID="1" presetClass="entr" presetSubtype="0" fill="hold" nodeType="clickEffect">
+                                  <p:stCondLst>
+                                    <p:cond delay="0"/>
+                                  </p:stCondLst>
+                                  <p:childTnLst>
+                                    <p:set>
+                                      <p:cBhvr>
+                                        <p:cTn id="42" dur="1" fill="hold">
+                                          <p:stCondLst>
+                                            <p:cond delay="0"/>
+                                          </p:stCondLst>
+                                        </p:cTn>
+                                        <p:tgtEl>
+                                          <p:spTgt spid="70"/>
+                                        </p:tgtEl>
+                                        <p:attrNameLst>
+                                          <p:attrName>style.visibility</p:attrName>
+                                        </p:attrNameLst>
+                                      </p:cBhvr>
+                                      <p:to>
+                                        <p:strVal val="visible"/>
+                                      </p:to>
+                                    </p:set>
+                                  </p:childTnLst>
+                                </p:cTn>
+                              </p:par>
+                              <p:par>
+                                <p:cTn id="43" presetID="1" presetClass="entr" presetSubtype="0" fill="hold" grpId="0" nodeType="withEffect">
+                                  <p:stCondLst>
+                                    <p:cond delay="0"/>
+                                  </p:stCondLst>
+                                  <p:childTnLst>
+                                    <p:set>
+                                      <p:cBhvr>
+                                        <p:cTn id="44" dur="1" fill="hold">
+                                          <p:stCondLst>
+                                            <p:cond delay="0"/>
+                                          </p:stCondLst>
+                                        </p:cTn>
+                                        <p:tgtEl>
+                                          <p:spTgt spid="74"/>
+                                        </p:tgtEl>
+                                        <p:attrNameLst>
+                                          <p:attrName>style.visibility</p:attrName>
+                                        </p:attrNameLst>
+                                      </p:cBhvr>
+                                      <p:to>
+                                        <p:strVal val="visible"/>
+                                      </p:to>
+                                    </p:set>
+                                  </p:childTnLst>
+                                </p:cTn>
+                              </p:par>
+                              <p:par>
+                                <p:cTn id="45" presetID="1" presetClass="entr" presetSubtype="0" fill="hold" grpId="0" nodeType="withEffect">
+                                  <p:stCondLst>
+                                    <p:cond delay="0"/>
+                                  </p:stCondLst>
+                                  <p:childTnLst>
+                                    <p:set>
+                                      <p:cBhvr>
+                                        <p:cTn id="46" dur="1" fill="hold">
+                                          <p:stCondLst>
+                                            <p:cond delay="0"/>
+                                          </p:stCondLst>
+                                        </p:cTn>
+                                        <p:tgtEl>
+                                          <p:spTgt spid="76"/>
+                                        </p:tgtEl>
+                                        <p:attrNameLst>
+                                          <p:attrName>style.visibility</p:attrName>
+                                        </p:attrNameLst>
+                                      </p:cBhvr>
+                                      <p:to>
+                                        <p:strVal val="visible"/>
+                                      </p:to>
+                                    </p:set>
+                                  </p:childTnLst>
+                                </p:cTn>
+                              </p:par>
+                              <p:par>
+                                <p:cTn id="47" presetID="1" presetClass="entr" presetSubtype="0" fill="hold" grpId="0" nodeType="withEffect">
+                                  <p:stCondLst>
+                                    <p:cond delay="0"/>
+                                  </p:stCondLst>
+                                  <p:childTnLst>
+                                    <p:set>
+                                      <p:cBhvr>
+                                        <p:cTn id="48" dur="1" fill="hold">
+                                          <p:stCondLst>
+                                            <p:cond delay="0"/>
+                                          </p:stCondLst>
+                                        </p:cTn>
+                                        <p:tgtEl>
+                                          <p:spTgt spid="77"/>
+                                        </p:tgtEl>
+                                        <p:attrNameLst>
+                                          <p:attrName>style.visibility</p:attrName>
+                                        </p:attrNameLst>
+                                      </p:cBhvr>
+                                      <p:to>
+                                        <p:strVal val="visible"/>
+                                      </p:to>
+                                    </p:set>
+                                  </p:childTnLst>
+                                </p:cTn>
+                              </p:par>
+                              <p:par>
+                                <p:cTn id="49" presetID="1" presetClass="entr" presetSubtype="0" fill="hold" grpId="0" nodeType="withEffect">
+                                  <p:stCondLst>
+                                    <p:cond delay="0"/>
+                                  </p:stCondLst>
+                                  <p:childTnLst>
+                                    <p:set>
+                                      <p:cBhvr>
+                                        <p:cTn id="50" dur="1" fill="hold">
+                                          <p:stCondLst>
+                                            <p:cond delay="0"/>
+                                          </p:stCondLst>
+                                        </p:cTn>
+                                        <p:tgtEl>
+                                          <p:spTgt spid="63"/>
+                                        </p:tgtEl>
+                                        <p:attrNameLst>
+                                          <p:attrName>style.visibility</p:attrName>
+                                        </p:attrNameLst>
+                                      </p:cBhvr>
+                                      <p:to>
+                                        <p:strVal val="visible"/>
+                                      </p:to>
+                                    </p:set>
+                                  </p:childTnLst>
+                                </p:cTn>
+                              </p:par>
+                            </p:childTnLst>
+                          </p:cTn>
+                        </p:par>
+                      </p:childTnLst>
+                    </p:cTn>
+                  </p:par>
+                </p:childTnLst>
+              </p:cTn>
+              <p:prevCondLst>
+                <p:cond evt="onPrev" delay="0">
+                  <p:tgtEl>
+                    <p:sldTgt/>
+                  </p:tgtEl>
+                </p:cond>
+              </p:prevCondLst>
+              <p:nextCondLst>
+                <p:cond evt="onNext" delay="0">
+                  <p:tgtEl>
+                    <p:sldTgt/>
+                  </p:tgtEl>
+                </p:cond>
+              </p:nextCondLst>
+            </p:seq>
+          </p:childTnLst>
+        </p:cTn>
+      </p:par>
+    </p:tnLst>
+    <p:bldLst>
+      <p:bldP spid="49" grpId="0" animBg="1"/>
+      <p:bldP spid="50" grpId="0" animBg="1"/>
+      <p:bldP spid="51" grpId="0" animBg="1"/>
+      <p:bldP spid="55" grpId="0"/>
+      <p:bldP spid="60" grpId="0" animBg="1"/>
+      <p:bldP spid="61" grpId="0" animBg="1"/>
+      <p:bldP spid="62" grpId="0" animBg="1"/>
+      <p:bldP spid="63" grpId="0"/>
+      <p:bldP spid="64" grpId="0" animBg="1"/>
+      <p:bldP spid="65" grpId="0" animBg="1"/>
+      <p:bldP spid="66" grpId="0" animBg="1"/>
+      <p:bldP spid="67" grpId="0" animBg="1"/>
+      <p:bldP spid="68" grpId="0" animBg="1"/>
+      <p:bldP spid="69" grpId="0" animBg="1"/>
+      <p:bldP spid="74" grpId="0" animBg="1"/>
+      <p:bldP spid="75" grpId="0"/>
+      <p:bldP spid="76" grpId="0" animBg="1"/>
+      <p:bldP spid="77" grpId="0" animBg="1"/>
+    </p:bldLst>
+  </p:timing>
 </p:sld>
 </file>
 
@@ -35093,7 +35769,7 @@
         </p:nvSpPr>
         <p:spPr>
           <a:xfrm>
-            <a:off x="2863770" y="1340588"/>
+            <a:off x="2781159" y="1340588"/>
             <a:ext cx="336080" cy="1297101"/>
           </a:xfrm>
           <a:prstGeom prst="leftBrace">
@@ -35145,7 +35821,7 @@
         </p:nvSpPr>
         <p:spPr>
           <a:xfrm>
-            <a:off x="2877139" y="2780910"/>
+            <a:off x="2794528" y="2780910"/>
             <a:ext cx="336080" cy="2808390"/>
           </a:xfrm>
           <a:prstGeom prst="leftBrace">
@@ -36428,7 +37104,7 @@
             </a:pPr>
             <a:r>
               <a:rPr lang="en-GB" dirty="0"/>
-              <a:t>Visual Words</a:t>
+              <a:t>Visual words</a:t>
             </a:r>
             <a:endParaRPr lang="en-GB" baseline="30000" dirty="0"/>
           </a:p>
@@ -37789,7 +38465,7 @@
             </a:pPr>
             <a:r>
               <a:rPr lang="en-GB" dirty="0"/>
-              <a:t>Visual Words</a:t>
+              <a:t>Visual words</a:t>
             </a:r>
             <a:endParaRPr lang="en-GB" baseline="30000" dirty="0"/>
           </a:p>
@@ -39122,7 +39798,7 @@
             </a:pPr>
             <a:r>
               <a:rPr lang="en-GB" dirty="0"/>
-              <a:t>Visual Words</a:t>
+              <a:t>Visual words</a:t>
             </a:r>
             <a:endParaRPr lang="en-GB" baseline="30000" dirty="0"/>
           </a:p>
